--- a/TSB ENPRESA.pptx
+++ b/TSB ENPRESA.pptx
@@ -159,10 +159,9 @@
           </a:lstStyle>
           <a:p>
             <a:r>
-              <a:rPr lang="es-ES" smtClean="0"/>
+              <a:rPr lang="es-ES"/>
               <a:t>Haga clic para modificar el estilo de título del patrón</a:t>
             </a:r>
-            <a:endParaRPr lang="es-ES"/>
           </a:p>
         </p:txBody>
       </p:sp>
@@ -224,10 +223,9 @@
           </a:lstStyle>
           <a:p>
             <a:r>
-              <a:rPr lang="es-ES" smtClean="0"/>
+              <a:rPr lang="es-ES"/>
               <a:t>Haga clic para editar el estilo de subtítulo del patrón</a:t>
             </a:r>
-            <a:endParaRPr lang="es-ES"/>
           </a:p>
         </p:txBody>
       </p:sp>
@@ -342,10 +340,9 @@
           <a:lstStyle/>
           <a:p>
             <a:r>
-              <a:rPr lang="es-ES" smtClean="0"/>
+              <a:rPr lang="es-ES"/>
               <a:t>Haga clic para modificar el estilo de título del patrón</a:t>
             </a:r>
-            <a:endParaRPr lang="es-ES"/>
           </a:p>
         </p:txBody>
       </p:sp>
@@ -366,38 +363,37 @@
           <a:p>
             <a:pPr lvl="0"/>
             <a:r>
-              <a:rPr lang="es-ES" smtClean="0"/>
+              <a:rPr lang="es-ES"/>
               <a:t>Editar el estilo de texto del patrón</a:t>
             </a:r>
           </a:p>
           <a:p>
             <a:pPr lvl="1"/>
             <a:r>
-              <a:rPr lang="es-ES" smtClean="0"/>
+              <a:rPr lang="es-ES"/>
               <a:t>Segundo nivel</a:t>
             </a:r>
           </a:p>
           <a:p>
             <a:pPr lvl="2"/>
             <a:r>
-              <a:rPr lang="es-ES" smtClean="0"/>
+              <a:rPr lang="es-ES"/>
               <a:t>Tercer nivel</a:t>
             </a:r>
           </a:p>
           <a:p>
             <a:pPr lvl="3"/>
             <a:r>
-              <a:rPr lang="es-ES" smtClean="0"/>
+              <a:rPr lang="es-ES"/>
               <a:t>Cuarto nivel</a:t>
             </a:r>
           </a:p>
           <a:p>
             <a:pPr lvl="4"/>
             <a:r>
-              <a:rPr lang="es-ES" smtClean="0"/>
+              <a:rPr lang="es-ES"/>
               <a:t>Quinto nivel</a:t>
             </a:r>
-            <a:endParaRPr lang="es-ES"/>
           </a:p>
         </p:txBody>
       </p:sp>
@@ -517,10 +513,9 @@
           <a:lstStyle/>
           <a:p>
             <a:r>
-              <a:rPr lang="es-ES" smtClean="0"/>
+              <a:rPr lang="es-ES"/>
               <a:t>Haga clic para modificar el estilo de título del patrón</a:t>
             </a:r>
-            <a:endParaRPr lang="es-ES"/>
           </a:p>
         </p:txBody>
       </p:sp>
@@ -546,38 +541,37 @@
           <a:p>
             <a:pPr lvl="0"/>
             <a:r>
-              <a:rPr lang="es-ES" smtClean="0"/>
+              <a:rPr lang="es-ES"/>
               <a:t>Editar el estilo de texto del patrón</a:t>
             </a:r>
           </a:p>
           <a:p>
             <a:pPr lvl="1"/>
             <a:r>
-              <a:rPr lang="es-ES" smtClean="0"/>
+              <a:rPr lang="es-ES"/>
               <a:t>Segundo nivel</a:t>
             </a:r>
           </a:p>
           <a:p>
             <a:pPr lvl="2"/>
             <a:r>
-              <a:rPr lang="es-ES" smtClean="0"/>
+              <a:rPr lang="es-ES"/>
               <a:t>Tercer nivel</a:t>
             </a:r>
           </a:p>
           <a:p>
             <a:pPr lvl="3"/>
             <a:r>
-              <a:rPr lang="es-ES" smtClean="0"/>
+              <a:rPr lang="es-ES"/>
               <a:t>Cuarto nivel</a:t>
             </a:r>
           </a:p>
           <a:p>
             <a:pPr lvl="4"/>
             <a:r>
-              <a:rPr lang="es-ES" smtClean="0"/>
+              <a:rPr lang="es-ES"/>
               <a:t>Quinto nivel</a:t>
             </a:r>
-            <a:endParaRPr lang="es-ES"/>
           </a:p>
         </p:txBody>
       </p:sp>
@@ -692,10 +686,9 @@
           <a:lstStyle/>
           <a:p>
             <a:r>
-              <a:rPr lang="es-ES" smtClean="0"/>
+              <a:rPr lang="es-ES"/>
               <a:t>Haga clic para modificar el estilo de título del patrón</a:t>
             </a:r>
-            <a:endParaRPr lang="es-ES"/>
           </a:p>
         </p:txBody>
       </p:sp>
@@ -716,38 +709,37 @@
           <a:p>
             <a:pPr lvl="0"/>
             <a:r>
-              <a:rPr lang="es-ES" smtClean="0"/>
+              <a:rPr lang="es-ES"/>
               <a:t>Editar el estilo de texto del patrón</a:t>
             </a:r>
           </a:p>
           <a:p>
             <a:pPr lvl="1"/>
             <a:r>
-              <a:rPr lang="es-ES" smtClean="0"/>
+              <a:rPr lang="es-ES"/>
               <a:t>Segundo nivel</a:t>
             </a:r>
           </a:p>
           <a:p>
             <a:pPr lvl="2"/>
             <a:r>
-              <a:rPr lang="es-ES" smtClean="0"/>
+              <a:rPr lang="es-ES"/>
               <a:t>Tercer nivel</a:t>
             </a:r>
           </a:p>
           <a:p>
             <a:pPr lvl="3"/>
             <a:r>
-              <a:rPr lang="es-ES" smtClean="0"/>
+              <a:rPr lang="es-ES"/>
               <a:t>Cuarto nivel</a:t>
             </a:r>
           </a:p>
           <a:p>
             <a:pPr lvl="4"/>
             <a:r>
-              <a:rPr lang="es-ES" smtClean="0"/>
+              <a:rPr lang="es-ES"/>
               <a:t>Quinto nivel</a:t>
             </a:r>
-            <a:endParaRPr lang="es-ES"/>
           </a:p>
         </p:txBody>
       </p:sp>
@@ -871,10 +863,9 @@
           </a:lstStyle>
           <a:p>
             <a:r>
-              <a:rPr lang="es-ES" smtClean="0"/>
+              <a:rPr lang="es-ES"/>
               <a:t>Haga clic para modificar el estilo de título del patrón</a:t>
             </a:r>
-            <a:endParaRPr lang="es-ES"/>
           </a:p>
         </p:txBody>
       </p:sp>
@@ -991,7 +982,7 @@
           <a:p>
             <a:pPr lvl="0"/>
             <a:r>
-              <a:rPr lang="es-ES" smtClean="0"/>
+              <a:rPr lang="es-ES"/>
               <a:t>Editar el estilo de texto del patrón</a:t>
             </a:r>
           </a:p>
@@ -1108,10 +1099,9 @@
           <a:lstStyle/>
           <a:p>
             <a:r>
-              <a:rPr lang="es-ES" smtClean="0"/>
+              <a:rPr lang="es-ES"/>
               <a:t>Haga clic para modificar el estilo de título del patrón</a:t>
             </a:r>
-            <a:endParaRPr lang="es-ES"/>
           </a:p>
         </p:txBody>
       </p:sp>
@@ -1137,38 +1127,37 @@
           <a:p>
             <a:pPr lvl="0"/>
             <a:r>
-              <a:rPr lang="es-ES" smtClean="0"/>
+              <a:rPr lang="es-ES"/>
               <a:t>Editar el estilo de texto del patrón</a:t>
             </a:r>
           </a:p>
           <a:p>
             <a:pPr lvl="1"/>
             <a:r>
-              <a:rPr lang="es-ES" smtClean="0"/>
+              <a:rPr lang="es-ES"/>
               <a:t>Segundo nivel</a:t>
             </a:r>
           </a:p>
           <a:p>
             <a:pPr lvl="2"/>
             <a:r>
-              <a:rPr lang="es-ES" smtClean="0"/>
+              <a:rPr lang="es-ES"/>
               <a:t>Tercer nivel</a:t>
             </a:r>
           </a:p>
           <a:p>
             <a:pPr lvl="3"/>
             <a:r>
-              <a:rPr lang="es-ES" smtClean="0"/>
+              <a:rPr lang="es-ES"/>
               <a:t>Cuarto nivel</a:t>
             </a:r>
           </a:p>
           <a:p>
             <a:pPr lvl="4"/>
             <a:r>
-              <a:rPr lang="es-ES" smtClean="0"/>
+              <a:rPr lang="es-ES"/>
               <a:t>Quinto nivel</a:t>
             </a:r>
-            <a:endParaRPr lang="es-ES"/>
           </a:p>
         </p:txBody>
       </p:sp>
@@ -1194,38 +1183,37 @@
           <a:p>
             <a:pPr lvl="0"/>
             <a:r>
-              <a:rPr lang="es-ES" smtClean="0"/>
+              <a:rPr lang="es-ES"/>
               <a:t>Editar el estilo de texto del patrón</a:t>
             </a:r>
           </a:p>
           <a:p>
             <a:pPr lvl="1"/>
             <a:r>
-              <a:rPr lang="es-ES" smtClean="0"/>
+              <a:rPr lang="es-ES"/>
               <a:t>Segundo nivel</a:t>
             </a:r>
           </a:p>
           <a:p>
             <a:pPr lvl="2"/>
             <a:r>
-              <a:rPr lang="es-ES" smtClean="0"/>
+              <a:rPr lang="es-ES"/>
               <a:t>Tercer nivel</a:t>
             </a:r>
           </a:p>
           <a:p>
             <a:pPr lvl="3"/>
             <a:r>
-              <a:rPr lang="es-ES" smtClean="0"/>
+              <a:rPr lang="es-ES"/>
               <a:t>Cuarto nivel</a:t>
             </a:r>
           </a:p>
           <a:p>
             <a:pPr lvl="4"/>
             <a:r>
-              <a:rPr lang="es-ES" smtClean="0"/>
+              <a:rPr lang="es-ES"/>
               <a:t>Quinto nivel</a:t>
             </a:r>
-            <a:endParaRPr lang="es-ES"/>
           </a:p>
         </p:txBody>
       </p:sp>
@@ -1345,10 +1333,9 @@
           <a:lstStyle/>
           <a:p>
             <a:r>
-              <a:rPr lang="es-ES" smtClean="0"/>
+              <a:rPr lang="es-ES"/>
               <a:t>Haga clic para modificar el estilo de título del patrón</a:t>
             </a:r>
-            <a:endParaRPr lang="es-ES"/>
           </a:p>
         </p:txBody>
       </p:sp>
@@ -1411,7 +1398,7 @@
           <a:p>
             <a:pPr lvl="0"/>
             <a:r>
-              <a:rPr lang="es-ES" smtClean="0"/>
+              <a:rPr lang="es-ES"/>
               <a:t>Editar el estilo de texto del patrón</a:t>
             </a:r>
           </a:p>
@@ -1439,38 +1426,37 @@
           <a:p>
             <a:pPr lvl="0"/>
             <a:r>
-              <a:rPr lang="es-ES" smtClean="0"/>
+              <a:rPr lang="es-ES"/>
               <a:t>Editar el estilo de texto del patrón</a:t>
             </a:r>
           </a:p>
           <a:p>
             <a:pPr lvl="1"/>
             <a:r>
-              <a:rPr lang="es-ES" smtClean="0"/>
+              <a:rPr lang="es-ES"/>
               <a:t>Segundo nivel</a:t>
             </a:r>
           </a:p>
           <a:p>
             <a:pPr lvl="2"/>
             <a:r>
-              <a:rPr lang="es-ES" smtClean="0"/>
+              <a:rPr lang="es-ES"/>
               <a:t>Tercer nivel</a:t>
             </a:r>
           </a:p>
           <a:p>
             <a:pPr lvl="3"/>
             <a:r>
-              <a:rPr lang="es-ES" smtClean="0"/>
+              <a:rPr lang="es-ES"/>
               <a:t>Cuarto nivel</a:t>
             </a:r>
           </a:p>
           <a:p>
             <a:pPr lvl="4"/>
             <a:r>
-              <a:rPr lang="es-ES" smtClean="0"/>
+              <a:rPr lang="es-ES"/>
               <a:t>Quinto nivel</a:t>
             </a:r>
-            <a:endParaRPr lang="es-ES"/>
           </a:p>
         </p:txBody>
       </p:sp>
@@ -1533,7 +1519,7 @@
           <a:p>
             <a:pPr lvl="0"/>
             <a:r>
-              <a:rPr lang="es-ES" smtClean="0"/>
+              <a:rPr lang="es-ES"/>
               <a:t>Editar el estilo de texto del patrón</a:t>
             </a:r>
           </a:p>
@@ -1561,38 +1547,37 @@
           <a:p>
             <a:pPr lvl="0"/>
             <a:r>
-              <a:rPr lang="es-ES" smtClean="0"/>
+              <a:rPr lang="es-ES"/>
               <a:t>Editar el estilo de texto del patrón</a:t>
             </a:r>
           </a:p>
           <a:p>
             <a:pPr lvl="1"/>
             <a:r>
-              <a:rPr lang="es-ES" smtClean="0"/>
+              <a:rPr lang="es-ES"/>
               <a:t>Segundo nivel</a:t>
             </a:r>
           </a:p>
           <a:p>
             <a:pPr lvl="2"/>
             <a:r>
-              <a:rPr lang="es-ES" smtClean="0"/>
+              <a:rPr lang="es-ES"/>
               <a:t>Tercer nivel</a:t>
             </a:r>
           </a:p>
           <a:p>
             <a:pPr lvl="3"/>
             <a:r>
-              <a:rPr lang="es-ES" smtClean="0"/>
+              <a:rPr lang="es-ES"/>
               <a:t>Cuarto nivel</a:t>
             </a:r>
           </a:p>
           <a:p>
             <a:pPr lvl="4"/>
             <a:r>
-              <a:rPr lang="es-ES" smtClean="0"/>
+              <a:rPr lang="es-ES"/>
               <a:t>Quinto nivel</a:t>
             </a:r>
-            <a:endParaRPr lang="es-ES"/>
           </a:p>
         </p:txBody>
       </p:sp>
@@ -1707,10 +1692,9 @@
           <a:lstStyle/>
           <a:p>
             <a:r>
-              <a:rPr lang="es-ES" smtClean="0"/>
+              <a:rPr lang="es-ES"/>
               <a:t>Haga clic para modificar el estilo de título del patrón</a:t>
             </a:r>
-            <a:endParaRPr lang="es-ES"/>
           </a:p>
         </p:txBody>
       </p:sp>
@@ -1929,10 +1913,9 @@
           </a:lstStyle>
           <a:p>
             <a:r>
-              <a:rPr lang="es-ES" smtClean="0"/>
+              <a:rPr lang="es-ES"/>
               <a:t>Haga clic para modificar el estilo de título del patrón</a:t>
             </a:r>
-            <a:endParaRPr lang="es-ES"/>
           </a:p>
         </p:txBody>
       </p:sp>
@@ -1986,38 +1969,37 @@
           <a:p>
             <a:pPr lvl="0"/>
             <a:r>
-              <a:rPr lang="es-ES" smtClean="0"/>
+              <a:rPr lang="es-ES"/>
               <a:t>Editar el estilo de texto del patrón</a:t>
             </a:r>
           </a:p>
           <a:p>
             <a:pPr lvl="1"/>
             <a:r>
-              <a:rPr lang="es-ES" smtClean="0"/>
+              <a:rPr lang="es-ES"/>
               <a:t>Segundo nivel</a:t>
             </a:r>
           </a:p>
           <a:p>
             <a:pPr lvl="2"/>
             <a:r>
-              <a:rPr lang="es-ES" smtClean="0"/>
+              <a:rPr lang="es-ES"/>
               <a:t>Tercer nivel</a:t>
             </a:r>
           </a:p>
           <a:p>
             <a:pPr lvl="3"/>
             <a:r>
-              <a:rPr lang="es-ES" smtClean="0"/>
+              <a:rPr lang="es-ES"/>
               <a:t>Cuarto nivel</a:t>
             </a:r>
           </a:p>
           <a:p>
             <a:pPr lvl="4"/>
             <a:r>
-              <a:rPr lang="es-ES" smtClean="0"/>
+              <a:rPr lang="es-ES"/>
               <a:t>Quinto nivel</a:t>
             </a:r>
-            <a:endParaRPr lang="es-ES"/>
           </a:p>
         </p:txBody>
       </p:sp>
@@ -2080,7 +2062,7 @@
           <a:p>
             <a:pPr lvl="0"/>
             <a:r>
-              <a:rPr lang="es-ES" smtClean="0"/>
+              <a:rPr lang="es-ES"/>
               <a:t>Editar el estilo de texto del patrón</a:t>
             </a:r>
           </a:p>
@@ -2206,10 +2188,9 @@
           </a:lstStyle>
           <a:p>
             <a:r>
-              <a:rPr lang="es-ES" smtClean="0"/>
+              <a:rPr lang="es-ES"/>
               <a:t>Haga clic para modificar el estilo de título del patrón</a:t>
             </a:r>
-            <a:endParaRPr lang="es-ES"/>
           </a:p>
         </p:txBody>
       </p:sp>
@@ -2333,7 +2314,7 @@
           <a:p>
             <a:pPr lvl="0"/>
             <a:r>
-              <a:rPr lang="es-ES" smtClean="0"/>
+              <a:rPr lang="es-ES"/>
               <a:t>Editar el estilo de texto del patrón</a:t>
             </a:r>
           </a:p>
@@ -2468,10 +2449,9 @@
           <a:lstStyle/>
           <a:p>
             <a:r>
-              <a:rPr lang="es-ES" smtClean="0"/>
+              <a:rPr lang="es-ES"/>
               <a:t>Haga clic para modificar el estilo de título del patrón</a:t>
             </a:r>
-            <a:endParaRPr lang="es-ES"/>
           </a:p>
         </p:txBody>
       </p:sp>
@@ -2502,38 +2482,37 @@
           <a:p>
             <a:pPr lvl="0"/>
             <a:r>
-              <a:rPr lang="es-ES" smtClean="0"/>
+              <a:rPr lang="es-ES"/>
               <a:t>Editar el estilo de texto del patrón</a:t>
             </a:r>
           </a:p>
           <a:p>
             <a:pPr lvl="1"/>
             <a:r>
-              <a:rPr lang="es-ES" smtClean="0"/>
+              <a:rPr lang="es-ES"/>
               <a:t>Segundo nivel</a:t>
             </a:r>
           </a:p>
           <a:p>
             <a:pPr lvl="2"/>
             <a:r>
-              <a:rPr lang="es-ES" smtClean="0"/>
+              <a:rPr lang="es-ES"/>
               <a:t>Tercer nivel</a:t>
             </a:r>
           </a:p>
           <a:p>
             <a:pPr lvl="3"/>
             <a:r>
-              <a:rPr lang="es-ES" smtClean="0"/>
+              <a:rPr lang="es-ES"/>
               <a:t>Cuarto nivel</a:t>
             </a:r>
           </a:p>
           <a:p>
             <a:pPr lvl="4"/>
             <a:r>
-              <a:rPr lang="es-ES" smtClean="0"/>
+              <a:rPr lang="es-ES"/>
               <a:t>Quinto nivel</a:t>
             </a:r>
-            <a:endParaRPr lang="es-ES"/>
           </a:p>
         </p:txBody>
       </p:sp>
@@ -3039,16 +3018,12 @@
           <a:lstStyle/>
           <a:p>
             <a:r>
-              <a:rPr lang="es-ES" sz="7200" dirty="0" smtClean="0">
+              <a:rPr lang="es-ES" sz="7200" dirty="0">
                 <a:latin typeface="Poppins Black" panose="00000A00000000000000" pitchFamily="2" charset="0"/>
                 <a:cs typeface="Poppins Black" panose="00000A00000000000000" pitchFamily="2" charset="0"/>
               </a:rPr>
               <a:t>TSB ENPRESA</a:t>
             </a:r>
-            <a:endParaRPr lang="es-ES" sz="7200" dirty="0">
-              <a:latin typeface="Poppins Black" panose="00000A00000000000000" pitchFamily="2" charset="0"/>
-              <a:cs typeface="Poppins Black" panose="00000A00000000000000" pitchFamily="2" charset="0"/>
-            </a:endParaRPr>
           </a:p>
         </p:txBody>
       </p:sp>
@@ -3070,7 +3045,7 @@
           <a:lstStyle/>
           <a:p>
             <a:r>
-              <a:rPr lang="es-ES" sz="2000" dirty="0" smtClean="0">
+              <a:rPr lang="es-ES" sz="2000" dirty="0">
                 <a:solidFill>
                   <a:schemeClr val="accent5">
                     <a:lumMod val="20000"/>
@@ -3082,16 +3057,6 @@
               </a:rPr>
               <a:t>ERRONKA 1 - Lander Chamorro eta Ander Ibañez</a:t>
             </a:r>
-            <a:endParaRPr lang="es-ES" sz="2000" dirty="0">
-              <a:solidFill>
-                <a:schemeClr val="accent5">
-                  <a:lumMod val="20000"/>
-                  <a:lumOff val="80000"/>
-                </a:schemeClr>
-              </a:solidFill>
-              <a:latin typeface="Poppins" panose="00000500000000000000" pitchFamily="2" charset="0"/>
-              <a:cs typeface="Poppins" panose="00000500000000000000" pitchFamily="2" charset="0"/>
-            </a:endParaRPr>
           </a:p>
         </p:txBody>
       </p:sp>
@@ -3137,7 +3102,7 @@
           </a:lstStyle>
           <a:p>
             <a:r>
-              <a:rPr lang="es-ES" sz="7200" dirty="0" smtClean="0">
+              <a:rPr lang="es-ES" sz="7200" dirty="0">
                 <a:solidFill>
                   <a:schemeClr val="accent5">
                     <a:lumMod val="60000"/>
@@ -3149,16 +3114,6 @@
               </a:rPr>
               <a:t>TSB ENPRESA</a:t>
             </a:r>
-            <a:endParaRPr lang="es-ES" sz="7200" dirty="0">
-              <a:solidFill>
-                <a:schemeClr val="accent5">
-                  <a:lumMod val="60000"/>
-                  <a:lumOff val="40000"/>
-                </a:schemeClr>
-              </a:solidFill>
-              <a:latin typeface="Poppins Black" panose="00000A00000000000000" pitchFamily="2" charset="0"/>
-              <a:cs typeface="Poppins Black" panose="00000A00000000000000" pitchFamily="2" charset="0"/>
-            </a:endParaRPr>
           </a:p>
         </p:txBody>
       </p:sp>
@@ -3183,7 +3138,7 @@
         </p:blipFill>
         <p:spPr>
           <a:xfrm>
-            <a:off x="1723062" y="3316059"/>
+            <a:off x="1723062" y="3341610"/>
             <a:ext cx="8743405" cy="87390"/>
           </a:xfrm>
           <a:prstGeom prst="rect">
@@ -3201,13 +3156,6 @@
   <p:clrMapOvr>
     <a:masterClrMapping/>
   </p:clrMapOvr>
-  <p:timing>
-    <p:tnLst>
-      <p:par>
-        <p:cTn id="1" dur="indefinite" restart="never" nodeType="tmRoot"/>
-      </p:par>
-    </p:tnLst>
-  </p:timing>
 </p:sld>
 </file>
 
@@ -3273,7 +3221,7 @@
           <a:lstStyle/>
           <a:p>
             <a:r>
-              <a:rPr lang="es-ES" b="1" dirty="0" smtClean="0">
+              <a:rPr lang="es-ES" b="1" dirty="0">
                 <a:solidFill>
                   <a:schemeClr val="accent5">
                     <a:lumMod val="20000"/>
@@ -3285,16 +3233,6 @@
               </a:rPr>
               <a:t>AURKIBIDEA</a:t>
             </a:r>
-            <a:endParaRPr lang="es-ES" b="1" dirty="0">
-              <a:solidFill>
-                <a:schemeClr val="accent5">
-                  <a:lumMod val="20000"/>
-                  <a:lumOff val="80000"/>
-                </a:schemeClr>
-              </a:solidFill>
-              <a:latin typeface="Poppins" panose="00000500000000000000" pitchFamily="2" charset="0"/>
-              <a:cs typeface="Poppins" panose="00000500000000000000" pitchFamily="2" charset="0"/>
-            </a:endParaRPr>
           </a:p>
         </p:txBody>
       </p:sp>
@@ -3325,7 +3263,7 @@
               <a:buChar char="•"/>
             </a:pPr>
             <a:r>
-              <a:rPr lang="es-ES" dirty="0" smtClean="0">
+              <a:rPr lang="es-ES" dirty="0">
                 <a:solidFill>
                   <a:schemeClr val="accent5">
                     <a:lumMod val="20000"/>
@@ -3344,7 +3282,7 @@
               <a:buChar char="•"/>
             </a:pPr>
             <a:r>
-              <a:rPr lang="es-ES" dirty="0" err="1" smtClean="0">
+              <a:rPr lang="es-ES" dirty="0" err="1">
                 <a:solidFill>
                   <a:schemeClr val="accent5">
                     <a:lumMod val="20000"/>
@@ -3356,7 +3294,7 @@
               </a:rPr>
               <a:t>Aw</a:t>
             </a:r>
-            <a:endParaRPr lang="es-ES" dirty="0" smtClean="0">
+            <a:endParaRPr lang="es-ES" dirty="0">
               <a:solidFill>
                 <a:schemeClr val="accent5">
                   <a:lumMod val="20000"/>
@@ -3373,7 +3311,7 @@
               <a:buChar char="•"/>
             </a:pPr>
             <a:r>
-              <a:rPr lang="es-ES" dirty="0" err="1" smtClean="0">
+              <a:rPr lang="es-ES" dirty="0" err="1">
                 <a:solidFill>
                   <a:schemeClr val="accent5">
                     <a:lumMod val="20000"/>
@@ -3385,7 +3323,7 @@
               </a:rPr>
               <a:t>Daw</a:t>
             </a:r>
-            <a:endParaRPr lang="es-ES" dirty="0" smtClean="0">
+            <a:endParaRPr lang="es-ES" dirty="0">
               <a:solidFill>
                 <a:schemeClr val="accent5">
                   <a:lumMod val="20000"/>
@@ -3402,7 +3340,7 @@
               <a:buChar char="•"/>
             </a:pPr>
             <a:r>
-              <a:rPr lang="es-ES" dirty="0" smtClean="0">
+              <a:rPr lang="es-ES" dirty="0">
                 <a:solidFill>
                   <a:schemeClr val="accent5">
                     <a:lumMod val="20000"/>
@@ -3421,7 +3359,7 @@
               <a:buChar char="•"/>
             </a:pPr>
             <a:r>
-              <a:rPr lang="es-ES" dirty="0" err="1" smtClean="0">
+              <a:rPr lang="es-ES" dirty="0" err="1">
                 <a:solidFill>
                   <a:schemeClr val="accent5">
                     <a:lumMod val="20000"/>
@@ -3433,7 +3371,7 @@
               </a:rPr>
               <a:t>Aw</a:t>
             </a:r>
-            <a:endParaRPr lang="es-ES" dirty="0" smtClean="0">
+            <a:endParaRPr lang="es-ES" dirty="0">
               <a:solidFill>
                 <a:schemeClr val="accent5">
                   <a:lumMod val="20000"/>
@@ -3450,7 +3388,7 @@
               <a:buChar char="•"/>
             </a:pPr>
             <a:r>
-              <a:rPr lang="es-ES" dirty="0" err="1" smtClean="0">
+              <a:rPr lang="es-ES" dirty="0" err="1">
                 <a:solidFill>
                   <a:schemeClr val="accent5">
                     <a:lumMod val="20000"/>
@@ -3462,7 +3400,7 @@
               </a:rPr>
               <a:t>Daw</a:t>
             </a:r>
-            <a:endParaRPr lang="es-ES" dirty="0" smtClean="0">
+            <a:endParaRPr lang="es-ES" dirty="0">
               <a:solidFill>
                 <a:schemeClr val="accent5">
                   <a:lumMod val="20000"/>
@@ -3479,7 +3417,7 @@
               <a:buChar char="•"/>
             </a:pPr>
             <a:r>
-              <a:rPr lang="es-ES" dirty="0" smtClean="0">
+              <a:rPr lang="es-ES" dirty="0">
                 <a:solidFill>
                   <a:schemeClr val="accent5">
                     <a:lumMod val="20000"/>
@@ -3498,7 +3436,7 @@
               <a:buChar char="•"/>
             </a:pPr>
             <a:r>
-              <a:rPr lang="es-ES" dirty="0" err="1" smtClean="0">
+              <a:rPr lang="es-ES" dirty="0" err="1">
                 <a:solidFill>
                   <a:schemeClr val="accent5">
                     <a:lumMod val="20000"/>
@@ -3533,13 +3471,6 @@
   <p:clrMapOvr>
     <a:masterClrMapping/>
   </p:clrMapOvr>
-  <p:timing>
-    <p:tnLst>
-      <p:par>
-        <p:cTn id="1" dur="indefinite" restart="never" nodeType="tmRoot"/>
-      </p:par>
-    </p:tnLst>
-  </p:timing>
 </p:sld>
 </file>
 
@@ -3605,7 +3536,7 @@
           <a:lstStyle/>
           <a:p>
             <a:r>
-              <a:rPr lang="es-ES" b="1" dirty="0" smtClean="0">
+              <a:rPr lang="es-ES" b="1" dirty="0">
                 <a:solidFill>
                   <a:schemeClr val="accent5">
                     <a:lumMod val="20000"/>
@@ -3617,16 +3548,6 @@
               </a:rPr>
               <a:t>ENPRESA IDEIAK</a:t>
             </a:r>
-            <a:endParaRPr lang="es-ES" b="1" dirty="0">
-              <a:solidFill>
-                <a:schemeClr val="accent5">
-                  <a:lumMod val="20000"/>
-                  <a:lumOff val="80000"/>
-                </a:schemeClr>
-              </a:solidFill>
-              <a:latin typeface="Poppins" panose="00000500000000000000" pitchFamily="2" charset="0"/>
-              <a:cs typeface="Poppins" panose="00000500000000000000" pitchFamily="2" charset="0"/>
-            </a:endParaRPr>
           </a:p>
         </p:txBody>
       </p:sp>
@@ -3640,13 +3561,6 @@
   <p:clrMapOvr>
     <a:masterClrMapping/>
   </p:clrMapOvr>
-  <p:timing>
-    <p:tnLst>
-      <p:par>
-        <p:cTn id="1" dur="indefinite" restart="never" nodeType="tmRoot"/>
-      </p:par>
-    </p:tnLst>
-  </p:timing>
 </p:sld>
 </file>
 
@@ -3706,13 +3620,6 @@
   <p:clrMapOvr>
     <a:masterClrMapping/>
   </p:clrMapOvr>
-  <p:timing>
-    <p:tnLst>
-      <p:par>
-        <p:cTn id="1" dur="indefinite" restart="never" nodeType="tmRoot"/>
-      </p:par>
-    </p:tnLst>
-  </p:timing>
 </p:sld>
 </file>
 
@@ -3778,7 +3685,7 @@
           <a:lstStyle/>
           <a:p>
             <a:r>
-              <a:rPr lang="es-ES" b="1" dirty="0" smtClean="0">
+              <a:rPr lang="es-ES" b="1" dirty="0">
                 <a:solidFill>
                   <a:schemeClr val="bg1"/>
                 </a:solidFill>
@@ -3787,13 +3694,6 @@
               </a:rPr>
               <a:t>AURKIBIDEA</a:t>
             </a:r>
-            <a:endParaRPr lang="es-ES" b="1" dirty="0">
-              <a:solidFill>
-                <a:schemeClr val="bg1"/>
-              </a:solidFill>
-              <a:latin typeface="Poppins" panose="00000500000000000000" pitchFamily="2" charset="0"/>
-              <a:cs typeface="Poppins" panose="00000500000000000000" pitchFamily="2" charset="0"/>
-            </a:endParaRPr>
           </a:p>
         </p:txBody>
       </p:sp>
@@ -3807,13 +3707,6 @@
   <p:clrMapOvr>
     <a:masterClrMapping/>
   </p:clrMapOvr>
-  <p:timing>
-    <p:tnLst>
-      <p:par>
-        <p:cTn id="1" dur="indefinite" restart="never" nodeType="tmRoot"/>
-      </p:par>
-    </p:tnLst>
-  </p:timing>
 </p:sld>
 </file>
 
@@ -3879,7 +3772,7 @@
           <a:lstStyle/>
           <a:p>
             <a:r>
-              <a:rPr lang="es-ES" b="1" dirty="0" smtClean="0">
+              <a:rPr lang="es-ES" b="1" dirty="0">
                 <a:solidFill>
                   <a:schemeClr val="bg1"/>
                 </a:solidFill>
@@ -3888,13 +3781,6 @@
               </a:rPr>
               <a:t>AURKIBIDEA</a:t>
             </a:r>
-            <a:endParaRPr lang="es-ES" b="1" dirty="0">
-              <a:solidFill>
-                <a:schemeClr val="bg1"/>
-              </a:solidFill>
-              <a:latin typeface="Poppins" panose="00000500000000000000" pitchFamily="2" charset="0"/>
-              <a:cs typeface="Poppins" panose="00000500000000000000" pitchFamily="2" charset="0"/>
-            </a:endParaRPr>
           </a:p>
         </p:txBody>
       </p:sp>
@@ -3908,13 +3794,6 @@
   <p:clrMapOvr>
     <a:masterClrMapping/>
   </p:clrMapOvr>
-  <p:timing>
-    <p:tnLst>
-      <p:par>
-        <p:cTn id="1" dur="indefinite" restart="never" nodeType="tmRoot"/>
-      </p:par>
-    </p:tnLst>
-  </p:timing>
 </p:sld>
 </file>
 
